--- a/Jan 2020/lectures/2_types_and_modules.pptx
+++ b/Jan 2020/lectures/2_types_and_modules.pptx
@@ -5,7 +5,7 @@
     <p:sldMasterId id="2147483660" r:id="rId1"/>
   </p:sldMasterIdLst>
   <p:notesMasterIdLst>
-    <p:notesMasterId r:id="rId24"/>
+    <p:notesMasterId r:id="rId20"/>
   </p:notesMasterIdLst>
   <p:sldIdLst>
     <p:sldId id="258" r:id="rId2"/>
@@ -25,11 +25,7 @@
     <p:sldId id="296" r:id="rId16"/>
     <p:sldId id="298" r:id="rId17"/>
     <p:sldId id="299" r:id="rId18"/>
-    <p:sldId id="297" r:id="rId19"/>
-    <p:sldId id="300" r:id="rId20"/>
-    <p:sldId id="301" r:id="rId21"/>
-    <p:sldId id="302" r:id="rId22"/>
-    <p:sldId id="303" r:id="rId23"/>
+    <p:sldId id="300" r:id="rId19"/>
   </p:sldIdLst>
   <p:sldSz cx="12192000" cy="6858000"/>
   <p:notesSz cx="6858000" cy="9144000"/>
@@ -150,17 +146,16 @@
             <p14:sldId id="296"/>
             <p14:sldId id="298"/>
             <p14:sldId id="299"/>
-            <p14:sldId id="297"/>
             <p14:sldId id="300"/>
-            <p14:sldId id="301"/>
-            <p14:sldId id="302"/>
-            <p14:sldId id="303"/>
           </p14:sldIdLst>
         </p14:section>
       </p14:sectionLst>
     </p:ext>
     <p:ext uri="{EFAFB233-063F-42B5-8137-9DF3F51BA10A}">
       <p15:sldGuideLst xmlns:p15="http://schemas.microsoft.com/office/powerpoint/2012/main"/>
+    </p:ext>
+    <p:ext uri="{2D200454-40CA-4A62-9FC3-DE9A4176ACB9}">
+      <p15:notesGuideLst xmlns:p15="http://schemas.microsoft.com/office/powerpoint/2012/main"/>
     </p:ext>
   </p:extLst>
 </p:presentation>
@@ -248,7 +243,7 @@
           <a:p>
             <a:fld id="{12698037-457B-441E-B668-FD8EA8C32835}" type="datetimeFigureOut">
               <a:rPr lang="en-GB" smtClean="0"/>
-              <a:t>25/07/2019</a:t>
+              <a:t>16/01/2020</a:t>
             </a:fld>
             <a:endParaRPr lang="en-GB"/>
           </a:p>
@@ -825,192 +820,6 @@
 </p:notes>
 </file>
 
-<file path=ppt/notesSlides/notesSlide11.xml><?xml version="1.0" encoding="utf-8"?>
-<p:notes xmlns:a="http://schemas.openxmlformats.org/drawingml/2006/main" xmlns:r="http://schemas.openxmlformats.org/officeDocument/2006/relationships" xmlns:p="http://schemas.openxmlformats.org/presentationml/2006/main">
-  <p:cSld>
-    <p:spTree>
-      <p:nvGrpSpPr>
-        <p:cNvPr id="1" name=""/>
-        <p:cNvGrpSpPr/>
-        <p:nvPr/>
-      </p:nvGrpSpPr>
-      <p:grpSpPr>
-        <a:xfrm>
-          <a:off x="0" y="0"/>
-          <a:ext cx="0" cy="0"/>
-          <a:chOff x="0" y="0"/>
-          <a:chExt cx="0" cy="0"/>
-        </a:xfrm>
-      </p:grpSpPr>
-      <p:sp>
-        <p:nvSpPr>
-          <p:cNvPr id="2" name="Slide Image Placeholder 1"/>
-          <p:cNvSpPr>
-            <a:spLocks noGrp="1" noRot="1" noChangeAspect="1"/>
-          </p:cNvSpPr>
-          <p:nvPr>
-            <p:ph type="sldImg"/>
-          </p:nvPr>
-        </p:nvSpPr>
-        <p:spPr/>
-      </p:sp>
-      <p:sp>
-        <p:nvSpPr>
-          <p:cNvPr id="3" name="Notes Placeholder 2"/>
-          <p:cNvSpPr>
-            <a:spLocks noGrp="1"/>
-          </p:cNvSpPr>
-          <p:nvPr>
-            <p:ph type="body" idx="1"/>
-          </p:nvPr>
-        </p:nvSpPr>
-        <p:spPr/>
-        <p:txBody>
-          <a:bodyPr/>
-          <a:lstStyle/>
-          <a:p>
-            <a:r>
-              <a:rPr lang="en-GB" dirty="0"/>
-              <a:t>Open </a:t>
-            </a:r>
-            <a:r>
-              <a:rPr lang="en-GB" dirty="0" err="1"/>
-              <a:t>Numpy</a:t>
-            </a:r>
-            <a:r>
-              <a:rPr lang="en-GB" dirty="0"/>
-              <a:t> </a:t>
-            </a:r>
-            <a:r>
-              <a:rPr lang="en-GB" dirty="0" err="1"/>
-              <a:t>devdocs</a:t>
-            </a:r>
-            <a:endParaRPr lang="en-GB" dirty="0"/>
-          </a:p>
-          <a:p>
-            <a:pPr marL="171450" indent="-171450">
-              <a:buFontTx/>
-              <a:buChar char="-"/>
-            </a:pPr>
-            <a:r>
-              <a:rPr lang="en-GB" dirty="0"/>
-              <a:t>Show user guide</a:t>
-            </a:r>
-          </a:p>
-          <a:p>
-            <a:pPr marL="171450" indent="-171450">
-              <a:buFontTx/>
-              <a:buChar char="-"/>
-            </a:pPr>
-            <a:r>
-              <a:rPr lang="en-GB" dirty="0"/>
-              <a:t>Go to </a:t>
-            </a:r>
-            <a:r>
-              <a:rPr lang="en-GB" dirty="0" err="1"/>
-              <a:t>numpy</a:t>
-            </a:r>
-            <a:r>
-              <a:rPr lang="en-GB" dirty="0"/>
-              <a:t> reference -&gt; mention release</a:t>
-            </a:r>
-          </a:p>
-          <a:p>
-            <a:pPr marL="171450" indent="-171450">
-              <a:buFontTx/>
-              <a:buChar char="-"/>
-            </a:pPr>
-            <a:r>
-              <a:rPr lang="en-GB" dirty="0"/>
-              <a:t>Example: </a:t>
-            </a:r>
-            <a:r>
-              <a:rPr lang="en-GB" dirty="0" err="1"/>
-              <a:t>ndarray</a:t>
-            </a:r>
-            <a:endParaRPr lang="en-GB" dirty="0"/>
-          </a:p>
-          <a:p>
-            <a:pPr marL="628650" lvl="1" indent="-171450">
-              <a:buFontTx/>
-              <a:buChar char="-"/>
-            </a:pPr>
-            <a:r>
-              <a:rPr lang="en-GB" dirty="0"/>
-              <a:t>Scroll down and click on an attribute</a:t>
-            </a:r>
-          </a:p>
-          <a:p>
-            <a:pPr marL="628650" lvl="1" indent="-171450">
-              <a:buFontTx/>
-              <a:buChar char="-"/>
-            </a:pPr>
-            <a:r>
-              <a:rPr lang="en-GB" dirty="0"/>
-              <a:t>Scroll down and show </a:t>
-            </a:r>
-            <a:r>
-              <a:rPr lang="en-GB" dirty="0" err="1"/>
-              <a:t>nanmean</a:t>
-            </a:r>
-            <a:r>
-              <a:rPr lang="en-GB" dirty="0"/>
-              <a:t>/</a:t>
-            </a:r>
-            <a:r>
-              <a:rPr lang="en-GB"/>
-              <a:t>other function</a:t>
-            </a:r>
-            <a:endParaRPr lang="en-GB" dirty="0"/>
-          </a:p>
-          <a:p>
-            <a:pPr marL="171450" indent="-171450">
-              <a:buFontTx/>
-              <a:buChar char="-"/>
-            </a:pPr>
-            <a:r>
-              <a:rPr lang="en-GB" dirty="0"/>
-              <a:t>Example: array creation routines</a:t>
-            </a:r>
-          </a:p>
-        </p:txBody>
-      </p:sp>
-      <p:sp>
-        <p:nvSpPr>
-          <p:cNvPr id="4" name="Slide Number Placeholder 3"/>
-          <p:cNvSpPr>
-            <a:spLocks noGrp="1"/>
-          </p:cNvSpPr>
-          <p:nvPr>
-            <p:ph type="sldNum" sz="quarter" idx="5"/>
-          </p:nvPr>
-        </p:nvSpPr>
-        <p:spPr/>
-        <p:txBody>
-          <a:bodyPr/>
-          <a:lstStyle/>
-          <a:p>
-            <a:fld id="{026ACB95-90B0-41D2-9FF8-50085CFC0E79}" type="slidenum">
-              <a:rPr lang="en-GB" smtClean="0"/>
-              <a:t>22</a:t>
-            </a:fld>
-            <a:endParaRPr lang="en-GB"/>
-          </a:p>
-        </p:txBody>
-      </p:sp>
-    </p:spTree>
-    <p:extLst>
-      <p:ext uri="{BB962C8B-B14F-4D97-AF65-F5344CB8AC3E}">
-        <p14:creationId xmlns:p14="http://schemas.microsoft.com/office/powerpoint/2010/main" val="3432802685"/>
-      </p:ext>
-    </p:extLst>
-  </p:cSld>
-  <p:clrMapOvr>
-    <a:masterClrMapping/>
-  </p:clrMapOvr>
-</p:notes>
-</file>
-
 <file path=ppt/notesSlides/notesSlide2.xml><?xml version="1.0" encoding="utf-8"?>
 <p:notes xmlns:a="http://schemas.openxmlformats.org/drawingml/2006/main" xmlns:r="http://schemas.openxmlformats.org/officeDocument/2006/relationships" xmlns:p="http://schemas.openxmlformats.org/presentationml/2006/main">
   <p:cSld>
@@ -2519,7 +2328,7 @@
           <a:p>
             <a:fld id="{0952F4B9-71ED-4A37-A257-4AADC9BBFCB9}" type="datetimeFigureOut">
               <a:rPr lang="en-GB" smtClean="0"/>
-              <a:t>25/07/2019</a:t>
+              <a:t>16/01/2020</a:t>
             </a:fld>
             <a:endParaRPr lang="en-GB"/>
           </a:p>
@@ -2689,7 +2498,7 @@
           <a:p>
             <a:fld id="{0952F4B9-71ED-4A37-A257-4AADC9BBFCB9}" type="datetimeFigureOut">
               <a:rPr lang="en-GB" smtClean="0"/>
-              <a:t>25/07/2019</a:t>
+              <a:t>16/01/2020</a:t>
             </a:fld>
             <a:endParaRPr lang="en-GB"/>
           </a:p>
@@ -2869,7 +2678,7 @@
           <a:p>
             <a:fld id="{0952F4B9-71ED-4A37-A257-4AADC9BBFCB9}" type="datetimeFigureOut">
               <a:rPr lang="en-GB" smtClean="0"/>
-              <a:t>25/07/2019</a:t>
+              <a:t>16/01/2020</a:t>
             </a:fld>
             <a:endParaRPr lang="en-GB"/>
           </a:p>
@@ -3039,7 +2848,7 @@
           <a:p>
             <a:fld id="{0952F4B9-71ED-4A37-A257-4AADC9BBFCB9}" type="datetimeFigureOut">
               <a:rPr lang="en-GB" smtClean="0"/>
-              <a:t>25/07/2019</a:t>
+              <a:t>16/01/2020</a:t>
             </a:fld>
             <a:endParaRPr lang="en-GB"/>
           </a:p>
@@ -3285,7 +3094,7 @@
           <a:p>
             <a:fld id="{0952F4B9-71ED-4A37-A257-4AADC9BBFCB9}" type="datetimeFigureOut">
               <a:rPr lang="en-GB" smtClean="0"/>
-              <a:t>25/07/2019</a:t>
+              <a:t>16/01/2020</a:t>
             </a:fld>
             <a:endParaRPr lang="en-GB"/>
           </a:p>
@@ -3517,7 +3326,7 @@
           <a:p>
             <a:fld id="{0952F4B9-71ED-4A37-A257-4AADC9BBFCB9}" type="datetimeFigureOut">
               <a:rPr lang="en-GB" smtClean="0"/>
-              <a:t>25/07/2019</a:t>
+              <a:t>16/01/2020</a:t>
             </a:fld>
             <a:endParaRPr lang="en-GB"/>
           </a:p>
@@ -3889,7 +3698,7 @@
           <a:p>
             <a:fld id="{0952F4B9-71ED-4A37-A257-4AADC9BBFCB9}" type="datetimeFigureOut">
               <a:rPr lang="en-GB" smtClean="0"/>
-              <a:t>25/07/2019</a:t>
+              <a:t>16/01/2020</a:t>
             </a:fld>
             <a:endParaRPr lang="en-GB"/>
           </a:p>
@@ -4012,7 +3821,7 @@
           <a:p>
             <a:fld id="{0952F4B9-71ED-4A37-A257-4AADC9BBFCB9}" type="datetimeFigureOut">
               <a:rPr lang="en-GB" smtClean="0"/>
-              <a:t>25/07/2019</a:t>
+              <a:t>16/01/2020</a:t>
             </a:fld>
             <a:endParaRPr lang="en-GB"/>
           </a:p>
@@ -4107,7 +3916,7 @@
           <a:p>
             <a:fld id="{0952F4B9-71ED-4A37-A257-4AADC9BBFCB9}" type="datetimeFigureOut">
               <a:rPr lang="en-GB" smtClean="0"/>
-              <a:t>25/07/2019</a:t>
+              <a:t>16/01/2020</a:t>
             </a:fld>
             <a:endParaRPr lang="en-GB"/>
           </a:p>
@@ -4384,7 +4193,7 @@
           <a:p>
             <a:fld id="{0952F4B9-71ED-4A37-A257-4AADC9BBFCB9}" type="datetimeFigureOut">
               <a:rPr lang="en-GB" smtClean="0"/>
-              <a:t>25/07/2019</a:t>
+              <a:t>16/01/2020</a:t>
             </a:fld>
             <a:endParaRPr lang="en-GB"/>
           </a:p>
@@ -4646,7 +4455,7 @@
           <a:p>
             <a:fld id="{0952F4B9-71ED-4A37-A257-4AADC9BBFCB9}" type="datetimeFigureOut">
               <a:rPr lang="en-GB" smtClean="0"/>
-              <a:t>25/07/2019</a:t>
+              <a:t>16/01/2020</a:t>
             </a:fld>
             <a:endParaRPr lang="en-GB"/>
           </a:p>
@@ -4859,7 +4668,7 @@
           <a:p>
             <a:fld id="{0952F4B9-71ED-4A37-A257-4AADC9BBFCB9}" type="datetimeFigureOut">
               <a:rPr lang="en-GB" smtClean="0"/>
-              <a:t>25/07/2019</a:t>
+              <a:t>16/01/2020</a:t>
             </a:fld>
             <a:endParaRPr lang="en-GB"/>
           </a:p>
@@ -5420,12 +5229,16 @@
             <a:graphicFrameLocks noGrp="1"/>
           </p:cNvGraphicFramePr>
           <p:nvPr>
-            <p:extLst/>
+            <p:extLst>
+              <p:ext uri="{D42A27DB-BD31-4B8C-83A1-F6EECF244321}">
+                <p14:modId xmlns:p14="http://schemas.microsoft.com/office/powerpoint/2010/main" val="1173634828"/>
+              </p:ext>
+            </p:extLst>
           </p:nvPr>
         </p:nvGraphicFramePr>
         <p:xfrm>
           <a:off x="0" y="1690688"/>
-          <a:ext cx="12192000" cy="2395159"/>
+          <a:ext cx="12192000" cy="3218119"/>
         </p:xfrm>
         <a:graphic>
           <a:graphicData uri="http://schemas.openxmlformats.org/drawingml/2006/table">
@@ -5578,6 +5391,73 @@
                 <a:extLst>
                   <a:ext uri="{0D108BD9-81ED-4DB2-BD59-A6C34878D82A}">
                     <a16:rowId xmlns:a16="http://schemas.microsoft.com/office/drawing/2014/main" val="3928429828"/>
+                  </a:ext>
+                </a:extLst>
+              </a:tr>
+              <a:tr h="674613">
+                <a:tc>
+                  <a:txBody>
+                    <a:bodyPr/>
+                    <a:lstStyle/>
+                    <a:p>
+                      <a:r>
+                        <a:rPr lang="en-GB" sz="2800" dirty="0"/>
+                        <a:t>Tuple</a:t>
+                      </a:r>
+                    </a:p>
+                  </a:txBody>
+                  <a:tcPr>
+                    <a:solidFill>
+                      <a:schemeClr val="accent3">
+                        <a:lumMod val="20000"/>
+                        <a:lumOff val="80000"/>
+                      </a:schemeClr>
+                    </a:solidFill>
+                  </a:tcPr>
+                </a:tc>
+                <a:tc>
+                  <a:txBody>
+                    <a:bodyPr/>
+                    <a:lstStyle/>
+                    <a:p>
+                      <a:r>
+                        <a:rPr lang="en-GB" sz="2800" dirty="0"/>
+                        <a:t>Tuple</a:t>
+                      </a:r>
+                    </a:p>
+                  </a:txBody>
+                  <a:tcPr>
+                    <a:solidFill>
+                      <a:schemeClr val="accent3">
+                        <a:lumMod val="20000"/>
+                        <a:lumOff val="80000"/>
+                      </a:schemeClr>
+                    </a:solidFill>
+                  </a:tcPr>
+                </a:tc>
+                <a:tc>
+                  <a:txBody>
+                    <a:bodyPr/>
+                    <a:lstStyle/>
+                    <a:p>
+                      <a:r>
+                        <a:rPr lang="en-GB" sz="2400" dirty="0"/>
+                        <a:t>Collection of elements - immutable</a:t>
+                      </a:r>
+                    </a:p>
+                  </a:txBody>
+                  <a:tcPr>
+                    <a:solidFill>
+                      <a:schemeClr val="accent3">
+                        <a:lumMod val="20000"/>
+                        <a:lumOff val="80000"/>
+                      </a:schemeClr>
+                    </a:solidFill>
+                  </a:tcPr>
+                </a:tc>
+                <a:extLst>
+                  <a:ext uri="{0D108BD9-81ED-4DB2-BD59-A6C34878D82A}">
+                    <a16:rowId xmlns:a16="http://schemas.microsoft.com/office/drawing/2014/main" val="573070846"/>
                   </a:ext>
                 </a:extLst>
               </a:tr>
@@ -7291,7 +7171,7 @@
           <p:cNvPr id="2" name="Title 1">
             <a:extLst>
               <a:ext uri="{FF2B5EF4-FFF2-40B4-BE49-F238E27FC236}">
-                <a16:creationId xmlns:a16="http://schemas.microsoft.com/office/drawing/2014/main" id="{567F2C66-D68C-4449-A3E8-312AE84DB467}"/>
+                <a16:creationId xmlns:a16="http://schemas.microsoft.com/office/drawing/2014/main" id="{4789C170-5833-44B3-A462-A3B8FF79F976}"/>
               </a:ext>
             </a:extLst>
           </p:cNvPr>
@@ -7309,13 +7189,8 @@
           <a:p>
             <a:r>
               <a:rPr lang="en-GB" dirty="0"/>
-              <a:t>Package: </a:t>
-            </a:r>
-            <a:r>
-              <a:rPr lang="en-GB" dirty="0" err="1"/>
-              <a:t>Numpy</a:t>
-            </a:r>
-            <a:endParaRPr lang="en-GB" dirty="0"/>
+              <a:t>Let’s get started with NumPy</a:t>
+            </a:r>
           </a:p>
         </p:txBody>
       </p:sp>
@@ -7324,7 +7199,7 @@
           <p:cNvPr id="3" name="Content Placeholder 2">
             <a:extLst>
               <a:ext uri="{FF2B5EF4-FFF2-40B4-BE49-F238E27FC236}">
-                <a16:creationId xmlns:a16="http://schemas.microsoft.com/office/drawing/2014/main" id="{12ECECEB-FE90-4C8D-934F-8F9362D1EC1B}"/>
+                <a16:creationId xmlns:a16="http://schemas.microsoft.com/office/drawing/2014/main" id="{EBC47AA4-1648-4E91-A777-721E9817862B}"/>
               </a:ext>
             </a:extLst>
           </p:cNvPr>
@@ -7337,300 +7212,17 @@
         </p:nvSpPr>
         <p:spPr/>
         <p:txBody>
-          <a:bodyPr>
-            <a:normAutofit/>
-          </a:bodyPr>
+          <a:bodyPr/>
           <a:lstStyle/>
           <a:p>
-            <a:r>
-              <a:rPr lang="en-GB" dirty="0"/>
-              <a:t>Optimized for very fast array calculations</a:t>
-            </a:r>
-          </a:p>
-          <a:p>
-            <a:r>
-              <a:rPr lang="en-GB" dirty="0"/>
-              <a:t>Puts data in objects called </a:t>
-            </a:r>
-            <a:r>
-              <a:rPr lang="en-GB" dirty="0" err="1"/>
-              <a:t>numpy</a:t>
-            </a:r>
-            <a:r>
-              <a:rPr lang="en-GB" dirty="0"/>
-              <a:t> arrays</a:t>
-            </a:r>
-          </a:p>
-          <a:p>
-            <a:pPr lvl="1"/>
-            <a:r>
-              <a:rPr lang="en-GB" dirty="0"/>
-              <a:t>Array has data and type of object</a:t>
-            </a:r>
-          </a:p>
-          <a:p>
-            <a:pPr lvl="1"/>
-            <a:r>
-              <a:rPr lang="en-GB" dirty="0"/>
-              <a:t>By default only 1 type</a:t>
-            </a:r>
-          </a:p>
-          <a:p>
-            <a:r>
-              <a:rPr lang="en-GB" dirty="0" err="1"/>
-              <a:t>Numpy</a:t>
-            </a:r>
-            <a:r>
-              <a:rPr lang="en-GB" dirty="0"/>
-              <a:t> arrays have many built-in functions</a:t>
-            </a:r>
-          </a:p>
-          <a:p>
-            <a:pPr lvl="1"/>
-            <a:r>
-              <a:rPr lang="en-GB" dirty="0"/>
-              <a:t>E.g. </a:t>
-            </a:r>
-            <a:r>
-              <a:rPr lang="en-GB" dirty="0" err="1"/>
-              <a:t>nanmean</a:t>
-            </a:r>
-            <a:r>
-              <a:rPr lang="en-GB" dirty="0"/>
-              <a:t>, </a:t>
-            </a:r>
-            <a:r>
-              <a:rPr lang="en-GB" dirty="0" err="1"/>
-              <a:t>nanstd</a:t>
-            </a:r>
-            <a:r>
-              <a:rPr lang="en-GB" dirty="0"/>
-              <a:t>, min, max </a:t>
-            </a:r>
-          </a:p>
-          <a:p>
             <a:endParaRPr lang="en-GB" dirty="0"/>
           </a:p>
         </p:txBody>
       </p:sp>
-      <p:pic>
-        <p:nvPicPr>
-          <p:cNvPr id="1026" name="Picture 2" descr="Image result for numpy">
-            <a:extLst>
-              <a:ext uri="{FF2B5EF4-FFF2-40B4-BE49-F238E27FC236}">
-                <a16:creationId xmlns:a16="http://schemas.microsoft.com/office/drawing/2014/main" id="{8CE3E3C8-A303-4EDD-A281-76391EDFC24C}"/>
-              </a:ext>
-            </a:extLst>
-          </p:cNvPr>
-          <p:cNvPicPr>
-            <a:picLocks noChangeAspect="1" noChangeArrowheads="1"/>
-          </p:cNvPicPr>
-          <p:nvPr/>
-        </p:nvPicPr>
-        <p:blipFill>
-          <a:blip r:embed="rId2">
-            <a:extLst>
-              <a:ext uri="{28A0092B-C50C-407E-A947-70E740481C1C}">
-                <a14:useLocalDpi xmlns:a14="http://schemas.microsoft.com/office/drawing/2010/main" val="0"/>
-              </a:ext>
-            </a:extLst>
-          </a:blip>
-          <a:srcRect/>
-          <a:stretch>
-            <a:fillRect/>
-          </a:stretch>
-        </p:blipFill>
-        <p:spPr bwMode="auto">
-          <a:xfrm>
-            <a:off x="8490709" y="133558"/>
-            <a:ext cx="3400425" cy="1343025"/>
-          </a:xfrm>
-          <a:prstGeom prst="rect">
-            <a:avLst/>
-          </a:prstGeom>
-          <a:noFill/>
-          <a:extLst>
-            <a:ext uri="{909E8E84-426E-40DD-AFC4-6F175D3DCCD1}">
-              <a14:hiddenFill xmlns:a14="http://schemas.microsoft.com/office/drawing/2010/main">
-                <a:solidFill>
-                  <a:srgbClr val="FFFFFF"/>
-                </a:solidFill>
-              </a14:hiddenFill>
-            </a:ext>
-          </a:extLst>
-        </p:spPr>
-      </p:pic>
     </p:spTree>
     <p:extLst>
       <p:ext uri="{BB962C8B-B14F-4D97-AF65-F5344CB8AC3E}">
-        <p14:creationId xmlns:p14="http://schemas.microsoft.com/office/powerpoint/2010/main" val="1193228990"/>
-      </p:ext>
-    </p:extLst>
-  </p:cSld>
-  <p:clrMapOvr>
-    <a:masterClrMapping/>
-  </p:clrMapOvr>
-</p:sld>
-</file>
-
-<file path=ppt/slides/slide19.xml><?xml version="1.0" encoding="utf-8"?>
-<p:sld xmlns:a="http://schemas.openxmlformats.org/drawingml/2006/main" xmlns:r="http://schemas.openxmlformats.org/officeDocument/2006/relationships" xmlns:p="http://schemas.openxmlformats.org/presentationml/2006/main">
-  <p:cSld>
-    <p:spTree>
-      <p:nvGrpSpPr>
-        <p:cNvPr id="1" name=""/>
-        <p:cNvGrpSpPr/>
-        <p:nvPr/>
-      </p:nvGrpSpPr>
-      <p:grpSpPr>
-        <a:xfrm>
-          <a:off x="0" y="0"/>
-          <a:ext cx="0" cy="0"/>
-          <a:chOff x="0" y="0"/>
-          <a:chExt cx="0" cy="0"/>
-        </a:xfrm>
-      </p:grpSpPr>
-      <p:sp>
-        <p:nvSpPr>
-          <p:cNvPr id="2" name="Title 1">
-            <a:extLst>
-              <a:ext uri="{FF2B5EF4-FFF2-40B4-BE49-F238E27FC236}">
-                <a16:creationId xmlns:a16="http://schemas.microsoft.com/office/drawing/2014/main" id="{8EF8E0FE-3F33-42BD-8564-057159EB231D}"/>
-              </a:ext>
-            </a:extLst>
-          </p:cNvPr>
-          <p:cNvSpPr>
-            <a:spLocks noGrp="1"/>
-          </p:cNvSpPr>
-          <p:nvPr>
-            <p:ph type="title"/>
-          </p:nvPr>
-        </p:nvSpPr>
-        <p:spPr/>
-        <p:txBody>
-          <a:bodyPr/>
-          <a:lstStyle/>
-          <a:p>
-            <a:r>
-              <a:rPr lang="en-GB" dirty="0"/>
-              <a:t>Package: </a:t>
-            </a:r>
-            <a:r>
-              <a:rPr lang="en-GB" dirty="0" err="1"/>
-              <a:t>Scikit</a:t>
-            </a:r>
-            <a:r>
-              <a:rPr lang="en-GB" dirty="0"/>
-              <a:t>-learn</a:t>
-            </a:r>
-          </a:p>
-        </p:txBody>
-      </p:sp>
-      <p:sp>
-        <p:nvSpPr>
-          <p:cNvPr id="3" name="Content Placeholder 2">
-            <a:extLst>
-              <a:ext uri="{FF2B5EF4-FFF2-40B4-BE49-F238E27FC236}">
-                <a16:creationId xmlns:a16="http://schemas.microsoft.com/office/drawing/2014/main" id="{700E5567-C1FE-43A1-8F26-703FA4B92332}"/>
-              </a:ext>
-            </a:extLst>
-          </p:cNvPr>
-          <p:cNvSpPr>
-            <a:spLocks noGrp="1"/>
-          </p:cNvSpPr>
-          <p:nvPr>
-            <p:ph idx="1"/>
-          </p:nvPr>
-        </p:nvSpPr>
-        <p:spPr/>
-        <p:txBody>
-          <a:bodyPr/>
-          <a:lstStyle/>
-          <a:p>
-            <a:r>
-              <a:rPr lang="en-GB" dirty="0"/>
-              <a:t>Extensive machine learning package</a:t>
-            </a:r>
-          </a:p>
-          <a:p>
-            <a:r>
-              <a:rPr lang="en-GB" dirty="0"/>
-              <a:t>Uses </a:t>
-            </a:r>
-            <a:r>
-              <a:rPr lang="en-GB" dirty="0" err="1"/>
-              <a:t>numpy</a:t>
-            </a:r>
-            <a:r>
-              <a:rPr lang="en-GB" dirty="0"/>
-              <a:t> under the hood</a:t>
-            </a:r>
-          </a:p>
-          <a:p>
-            <a:r>
-              <a:rPr lang="en-GB" dirty="0"/>
-              <a:t>Easiest way to do simple regressions</a:t>
-            </a:r>
-          </a:p>
-          <a:p>
-            <a:r>
-              <a:rPr lang="en-GB" dirty="0"/>
-              <a:t>NB: use other packages for complicated DNNs</a:t>
-            </a:r>
-          </a:p>
-        </p:txBody>
-      </p:sp>
-      <p:pic>
-        <p:nvPicPr>
-          <p:cNvPr id="2050" name="Picture 2" descr="Image result for scikit learn">
-            <a:extLst>
-              <a:ext uri="{FF2B5EF4-FFF2-40B4-BE49-F238E27FC236}">
-                <a16:creationId xmlns:a16="http://schemas.microsoft.com/office/drawing/2014/main" id="{968F8113-C78A-48E5-8754-830544A6B508}"/>
-              </a:ext>
-            </a:extLst>
-          </p:cNvPr>
-          <p:cNvPicPr>
-            <a:picLocks noChangeAspect="1" noChangeArrowheads="1"/>
-          </p:cNvPicPr>
-          <p:nvPr/>
-        </p:nvPicPr>
-        <p:blipFill>
-          <a:blip r:embed="rId2">
-            <a:extLst>
-              <a:ext uri="{28A0092B-C50C-407E-A947-70E740481C1C}">
-                <a14:useLocalDpi xmlns:a14="http://schemas.microsoft.com/office/drawing/2010/main" val="0"/>
-              </a:ext>
-            </a:extLst>
-          </a:blip>
-          <a:srcRect/>
-          <a:stretch>
-            <a:fillRect/>
-          </a:stretch>
-        </p:blipFill>
-        <p:spPr bwMode="auto">
-          <a:xfrm>
-            <a:off x="9170918" y="0"/>
-            <a:ext cx="2914650" cy="1571625"/>
-          </a:xfrm>
-          <a:prstGeom prst="rect">
-            <a:avLst/>
-          </a:prstGeom>
-          <a:noFill/>
-          <a:extLst>
-            <a:ext uri="{909E8E84-426E-40DD-AFC4-6F175D3DCCD1}">
-              <a14:hiddenFill xmlns:a14="http://schemas.microsoft.com/office/drawing/2010/main">
-                <a:solidFill>
-                  <a:srgbClr val="FFFFFF"/>
-                </a:solidFill>
-              </a14:hiddenFill>
-            </a:ext>
-          </a:extLst>
-        </p:spPr>
-      </p:pic>
-    </p:spTree>
-    <p:extLst>
-      <p:ext uri="{BB962C8B-B14F-4D97-AF65-F5344CB8AC3E}">
-        <p14:creationId xmlns:p14="http://schemas.microsoft.com/office/powerpoint/2010/main" val="2154481999"/>
+        <p14:creationId xmlns:p14="http://schemas.microsoft.com/office/powerpoint/2010/main" val="3052965412"/>
       </p:ext>
     </p:extLst>
   </p:cSld>
@@ -7704,7 +7296,7 @@
         <p:spPr/>
         <p:txBody>
           <a:bodyPr>
-            <a:normAutofit lnSpcReduction="10000"/>
+            <a:normAutofit/>
           </a:bodyPr>
           <a:lstStyle/>
           <a:p>
@@ -7741,38 +7333,9 @@
             </a:r>
           </a:p>
           <a:p>
-            <a:r>
-              <a:rPr lang="en-GB" dirty="0"/>
-              <a:t>Useful Python modules:</a:t>
-            </a:r>
-          </a:p>
-          <a:p>
-            <a:pPr lvl="1"/>
-            <a:r>
-              <a:rPr lang="en-GB" dirty="0" err="1"/>
-              <a:t>Numpy</a:t>
-            </a:r>
-            <a:endParaRPr lang="en-GB" dirty="0"/>
-          </a:p>
-          <a:p>
-            <a:pPr lvl="1"/>
-            <a:r>
-              <a:rPr lang="en-GB" dirty="0" err="1"/>
-              <a:t>Scikit</a:t>
-            </a:r>
-            <a:r>
-              <a:rPr lang="en-GB" dirty="0"/>
-              <a:t>-learn</a:t>
-            </a:r>
-          </a:p>
-          <a:p>
-            <a:pPr lvl="1"/>
-            <a:r>
-              <a:rPr lang="en-GB" dirty="0"/>
-              <a:t>Matplotlib</a:t>
-            </a:r>
-          </a:p>
-          <a:p>
+            <a:pPr marL="0" indent="0">
+              <a:buNone/>
+            </a:pPr>
             <a:endParaRPr lang="en-GB" dirty="0"/>
           </a:p>
         </p:txBody>
@@ -8040,148 +7603,6 @@
                       </p:childTnLst>
                     </p:cTn>
                   </p:par>
-                  <p:par>
-                    <p:cTn id="23" fill="hold">
-                      <p:stCondLst>
-                        <p:cond delay="indefinite"/>
-                      </p:stCondLst>
-                      <p:childTnLst>
-                        <p:par>
-                          <p:cTn id="24" fill="hold">
-                            <p:stCondLst>
-                              <p:cond delay="0"/>
-                            </p:stCondLst>
-                            <p:childTnLst>
-                              <p:par>
-                                <p:cTn id="25" presetID="1" presetClass="entr" presetSubtype="0" fill="hold" grpId="0" nodeType="clickEffect">
-                                  <p:stCondLst>
-                                    <p:cond delay="0"/>
-                                  </p:stCondLst>
-                                  <p:childTnLst>
-                                    <p:set>
-                                      <p:cBhvr>
-                                        <p:cTn id="26" dur="1" fill="hold">
-                                          <p:stCondLst>
-                                            <p:cond delay="0"/>
-                                          </p:stCondLst>
-                                        </p:cTn>
-                                        <p:tgtEl>
-                                          <p:spTgt spid="3">
-                                            <p:txEl>
-                                              <p:pRg st="6" end="6"/>
-                                            </p:txEl>
-                                          </p:spTgt>
-                                        </p:tgtEl>
-                                        <p:attrNameLst>
-                                          <p:attrName>style.visibility</p:attrName>
-                                        </p:attrNameLst>
-                                      </p:cBhvr>
-                                      <p:to>
-                                        <p:strVal val="visible"/>
-                                      </p:to>
-                                    </p:set>
-                                  </p:childTnLst>
-                                </p:cTn>
-                              </p:par>
-                              <p:par>
-                                <p:cTn id="27" presetID="1" presetClass="entr" presetSubtype="0" fill="hold" grpId="0" nodeType="withEffect">
-                                  <p:stCondLst>
-                                    <p:cond delay="0"/>
-                                  </p:stCondLst>
-                                  <p:childTnLst>
-                                    <p:set>
-                                      <p:cBhvr>
-                                        <p:cTn id="28" dur="1" fill="hold">
-                                          <p:stCondLst>
-                                            <p:cond delay="0"/>
-                                          </p:stCondLst>
-                                        </p:cTn>
-                                        <p:tgtEl>
-                                          <p:spTgt spid="3">
-                                            <p:txEl>
-                                              <p:pRg st="7" end="7"/>
-                                            </p:txEl>
-                                          </p:spTgt>
-                                        </p:tgtEl>
-                                        <p:attrNameLst>
-                                          <p:attrName>style.visibility</p:attrName>
-                                        </p:attrNameLst>
-                                      </p:cBhvr>
-                                      <p:to>
-                                        <p:strVal val="visible"/>
-                                      </p:to>
-                                    </p:set>
-                                  </p:childTnLst>
-                                </p:cTn>
-                              </p:par>
-                              <p:par>
-                                <p:cTn id="29" presetID="1" presetClass="entr" presetSubtype="0" fill="hold" grpId="0" nodeType="withEffect">
-                                  <p:stCondLst>
-                                    <p:cond delay="0"/>
-                                  </p:stCondLst>
-                                  <p:childTnLst>
-                                    <p:set>
-                                      <p:cBhvr>
-                                        <p:cTn id="30" dur="1" fill="hold">
-                                          <p:stCondLst>
-                                            <p:cond delay="0"/>
-                                          </p:stCondLst>
-                                        </p:cTn>
-                                        <p:tgtEl>
-                                          <p:spTgt spid="3">
-                                            <p:txEl>
-                                              <p:pRg st="8" end="8"/>
-                                            </p:txEl>
-                                          </p:spTgt>
-                                        </p:tgtEl>
-                                        <p:attrNameLst>
-                                          <p:attrName>style.visibility</p:attrName>
-                                        </p:attrNameLst>
-                                      </p:cBhvr>
-                                      <p:to>
-                                        <p:strVal val="visible"/>
-                                      </p:to>
-                                    </p:set>
-                                  </p:childTnLst>
-                                </p:cTn>
-                              </p:par>
-                              <p:par>
-                                <p:cTn id="31" presetID="1" presetClass="entr" presetSubtype="0" fill="hold" grpId="0" nodeType="withEffect">
-                                  <p:stCondLst>
-                                    <p:cond delay="0"/>
-                                  </p:stCondLst>
-                                  <p:childTnLst>
-                                    <p:set>
-                                      <p:cBhvr>
-                                        <p:cTn id="32" dur="1" fill="hold">
-                                          <p:stCondLst>
-                                            <p:cond delay="0"/>
-                                          </p:stCondLst>
-                                        </p:cTn>
-                                        <p:tgtEl>
-                                          <p:spTgt spid="3">
-                                            <p:txEl>
-                                              <p:pRg st="9" end="9"/>
-                                            </p:txEl>
-                                          </p:spTgt>
-                                        </p:tgtEl>
-                                        <p:attrNameLst>
-                                          <p:attrName>style.visibility</p:attrName>
-                                        </p:attrNameLst>
-                                      </p:cBhvr>
-                                      <p:to>
-                                        <p:strVal val="visible"/>
-                                      </p:to>
-                                    </p:set>
-                                  </p:childTnLst>
-                                </p:cTn>
-                              </p:par>
-                            </p:childTnLst>
-                          </p:cTn>
-                        </p:par>
-                      </p:childTnLst>
-                    </p:cTn>
-                  </p:par>
                 </p:childTnLst>
               </p:cTn>
               <p:prevCondLst>
@@ -8207,451 +7628,6 @@
       <p:bldP spid="3" grpId="0" build="p"/>
     </p:bldLst>
   </p:timing>
-</p:sld>
-</file>
-
-<file path=ppt/slides/slide20.xml><?xml version="1.0" encoding="utf-8"?>
-<p:sld xmlns:a="http://schemas.openxmlformats.org/drawingml/2006/main" xmlns:r="http://schemas.openxmlformats.org/officeDocument/2006/relationships" xmlns:p="http://schemas.openxmlformats.org/presentationml/2006/main">
-  <p:cSld>
-    <p:spTree>
-      <p:nvGrpSpPr>
-        <p:cNvPr id="1" name=""/>
-        <p:cNvGrpSpPr/>
-        <p:nvPr/>
-      </p:nvGrpSpPr>
-      <p:grpSpPr>
-        <a:xfrm>
-          <a:off x="0" y="0"/>
-          <a:ext cx="0" cy="0"/>
-          <a:chOff x="0" y="0"/>
-          <a:chExt cx="0" cy="0"/>
-        </a:xfrm>
-      </p:grpSpPr>
-      <p:sp>
-        <p:nvSpPr>
-          <p:cNvPr id="2" name="Title 1">
-            <a:extLst>
-              <a:ext uri="{FF2B5EF4-FFF2-40B4-BE49-F238E27FC236}">
-                <a16:creationId xmlns:a16="http://schemas.microsoft.com/office/drawing/2014/main" id="{8F605A10-6900-4E5B-B01F-9C272E0F536B}"/>
-              </a:ext>
-            </a:extLst>
-          </p:cNvPr>
-          <p:cNvSpPr>
-            <a:spLocks noGrp="1"/>
-          </p:cNvSpPr>
-          <p:nvPr>
-            <p:ph type="title"/>
-          </p:nvPr>
-        </p:nvSpPr>
-        <p:spPr/>
-        <p:txBody>
-          <a:bodyPr/>
-          <a:lstStyle/>
-          <a:p>
-            <a:r>
-              <a:rPr lang="en-GB" dirty="0"/>
-              <a:t>Package: matplotlib</a:t>
-            </a:r>
-          </a:p>
-        </p:txBody>
-      </p:sp>
-      <p:sp>
-        <p:nvSpPr>
-          <p:cNvPr id="3" name="Content Placeholder 2">
-            <a:extLst>
-              <a:ext uri="{FF2B5EF4-FFF2-40B4-BE49-F238E27FC236}">
-                <a16:creationId xmlns:a16="http://schemas.microsoft.com/office/drawing/2014/main" id="{16748412-8101-42EA-A7E0-ADFEDE0E6B65}"/>
-              </a:ext>
-            </a:extLst>
-          </p:cNvPr>
-          <p:cNvSpPr>
-            <a:spLocks noGrp="1"/>
-          </p:cNvSpPr>
-          <p:nvPr>
-            <p:ph idx="1"/>
-          </p:nvPr>
-        </p:nvSpPr>
-        <p:spPr/>
-        <p:txBody>
-          <a:bodyPr/>
-          <a:lstStyle/>
-          <a:p>
-            <a:r>
-              <a:rPr lang="en-GB" dirty="0"/>
-              <a:t>Data visualization</a:t>
-            </a:r>
-          </a:p>
-          <a:p>
-            <a:r>
-              <a:rPr lang="en-GB" dirty="0"/>
-              <a:t>Based on plotting in </a:t>
-            </a:r>
-            <a:r>
-              <a:rPr lang="en-GB" dirty="0" err="1"/>
-              <a:t>matlab</a:t>
-            </a:r>
-            <a:endParaRPr lang="en-GB" dirty="0"/>
-          </a:p>
-          <a:p>
-            <a:r>
-              <a:rPr lang="en-GB" dirty="0"/>
-              <a:t>Very modular -&gt; easy to customize your plots</a:t>
-            </a:r>
-          </a:p>
-          <a:p>
-            <a:endParaRPr lang="en-GB" dirty="0"/>
-          </a:p>
-        </p:txBody>
-      </p:sp>
-      <p:pic>
-        <p:nvPicPr>
-          <p:cNvPr id="3074" name="Picture 2" descr="Image result for matplotlib logo">
-            <a:extLst>
-              <a:ext uri="{FF2B5EF4-FFF2-40B4-BE49-F238E27FC236}">
-                <a16:creationId xmlns:a16="http://schemas.microsoft.com/office/drawing/2014/main" id="{AF636400-3DF2-481C-B28D-E23EA9EDD540}"/>
-              </a:ext>
-            </a:extLst>
-          </p:cNvPr>
-          <p:cNvPicPr>
-            <a:picLocks noChangeAspect="1" noChangeArrowheads="1"/>
-          </p:cNvPicPr>
-          <p:nvPr/>
-        </p:nvPicPr>
-        <p:blipFill>
-          <a:blip r:embed="rId2">
-            <a:extLst>
-              <a:ext uri="{28A0092B-C50C-407E-A947-70E740481C1C}">
-                <a14:useLocalDpi xmlns:a14="http://schemas.microsoft.com/office/drawing/2010/main" val="0"/>
-              </a:ext>
-            </a:extLst>
-          </a:blip>
-          <a:srcRect/>
-          <a:stretch>
-            <a:fillRect/>
-          </a:stretch>
-        </p:blipFill>
-        <p:spPr bwMode="auto">
-          <a:xfrm>
-            <a:off x="7820025" y="230188"/>
-            <a:ext cx="4371975" cy="1047750"/>
-          </a:xfrm>
-          <a:prstGeom prst="rect">
-            <a:avLst/>
-          </a:prstGeom>
-          <a:noFill/>
-          <a:extLst>
-            <a:ext uri="{909E8E84-426E-40DD-AFC4-6F175D3DCCD1}">
-              <a14:hiddenFill xmlns:a14="http://schemas.microsoft.com/office/drawing/2010/main">
-                <a:solidFill>
-                  <a:srgbClr val="FFFFFF"/>
-                </a:solidFill>
-              </a14:hiddenFill>
-            </a:ext>
-          </a:extLst>
-        </p:spPr>
-      </p:pic>
-    </p:spTree>
-    <p:extLst>
-      <p:ext uri="{BB962C8B-B14F-4D97-AF65-F5344CB8AC3E}">
-        <p14:creationId xmlns:p14="http://schemas.microsoft.com/office/powerpoint/2010/main" val="296748957"/>
-      </p:ext>
-    </p:extLst>
-  </p:cSld>
-  <p:clrMapOvr>
-    <a:masterClrMapping/>
-  </p:clrMapOvr>
-</p:sld>
-</file>
-
-<file path=ppt/slides/slide21.xml><?xml version="1.0" encoding="utf-8"?>
-<p:sld xmlns:a="http://schemas.openxmlformats.org/drawingml/2006/main" xmlns:r="http://schemas.openxmlformats.org/officeDocument/2006/relationships" xmlns:p="http://schemas.openxmlformats.org/presentationml/2006/main">
-  <p:cSld>
-    <p:spTree>
-      <p:nvGrpSpPr>
-        <p:cNvPr id="1" name=""/>
-        <p:cNvGrpSpPr/>
-        <p:nvPr/>
-      </p:nvGrpSpPr>
-      <p:grpSpPr>
-        <a:xfrm>
-          <a:off x="0" y="0"/>
-          <a:ext cx="0" cy="0"/>
-          <a:chOff x="0" y="0"/>
-          <a:chExt cx="0" cy="0"/>
-        </a:xfrm>
-      </p:grpSpPr>
-      <p:sp>
-        <p:nvSpPr>
-          <p:cNvPr id="2" name="Title 1">
-            <a:extLst>
-              <a:ext uri="{FF2B5EF4-FFF2-40B4-BE49-F238E27FC236}">
-                <a16:creationId xmlns:a16="http://schemas.microsoft.com/office/drawing/2014/main" id="{4F4BA8E2-5F00-4B58-B7A7-831B7C1E6651}"/>
-              </a:ext>
-            </a:extLst>
-          </p:cNvPr>
-          <p:cNvSpPr>
-            <a:spLocks noGrp="1"/>
-          </p:cNvSpPr>
-          <p:nvPr>
-            <p:ph type="title"/>
-          </p:nvPr>
-        </p:nvSpPr>
-        <p:spPr/>
-        <p:txBody>
-          <a:bodyPr/>
-          <a:lstStyle/>
-          <a:p>
-            <a:r>
-              <a:rPr lang="en-GB" dirty="0"/>
-              <a:t>Package: Pandas</a:t>
-            </a:r>
-          </a:p>
-        </p:txBody>
-      </p:sp>
-      <p:sp>
-        <p:nvSpPr>
-          <p:cNvPr id="3" name="Content Placeholder 2">
-            <a:extLst>
-              <a:ext uri="{FF2B5EF4-FFF2-40B4-BE49-F238E27FC236}">
-                <a16:creationId xmlns:a16="http://schemas.microsoft.com/office/drawing/2014/main" id="{58019B52-8BC7-49CF-8248-53A3B115E9F7}"/>
-              </a:ext>
-            </a:extLst>
-          </p:cNvPr>
-          <p:cNvSpPr>
-            <a:spLocks noGrp="1"/>
-          </p:cNvSpPr>
-          <p:nvPr>
-            <p:ph idx="1"/>
-          </p:nvPr>
-        </p:nvSpPr>
-        <p:spPr/>
-        <p:txBody>
-          <a:bodyPr/>
-          <a:lstStyle/>
-          <a:p>
-            <a:r>
-              <a:rPr lang="en-GB" dirty="0"/>
-              <a:t>Specialized for data structures and data analysis</a:t>
-            </a:r>
-          </a:p>
-          <a:p>
-            <a:r>
-              <a:rPr lang="en-GB" dirty="0"/>
-              <a:t>Has </a:t>
-            </a:r>
-            <a:r>
-              <a:rPr lang="en-GB" dirty="0" err="1"/>
-              <a:t>numpy</a:t>
-            </a:r>
-            <a:r>
-              <a:rPr lang="en-GB" dirty="0"/>
-              <a:t> and matplotlib built-in</a:t>
-            </a:r>
-          </a:p>
-          <a:p>
-            <a:endParaRPr lang="en-GB" dirty="0"/>
-          </a:p>
-        </p:txBody>
-      </p:sp>
-      <p:pic>
-        <p:nvPicPr>
-          <p:cNvPr id="4100" name="Picture 4" descr="Logo">
-            <a:extLst>
-              <a:ext uri="{FF2B5EF4-FFF2-40B4-BE49-F238E27FC236}">
-                <a16:creationId xmlns:a16="http://schemas.microsoft.com/office/drawing/2014/main" id="{68ABA624-EABE-49C8-BFB1-3C08C93CD72C}"/>
-              </a:ext>
-            </a:extLst>
-          </p:cNvPr>
-          <p:cNvPicPr>
-            <a:picLocks noChangeAspect="1" noChangeArrowheads="1"/>
-          </p:cNvPicPr>
-          <p:nvPr/>
-        </p:nvPicPr>
-        <p:blipFill>
-          <a:blip r:embed="rId2">
-            <a:extLst>
-              <a:ext uri="{28A0092B-C50C-407E-A947-70E740481C1C}">
-                <a14:useLocalDpi xmlns:a14="http://schemas.microsoft.com/office/drawing/2010/main" val="0"/>
-              </a:ext>
-            </a:extLst>
-          </a:blip>
-          <a:srcRect/>
-          <a:stretch>
-            <a:fillRect/>
-          </a:stretch>
-        </p:blipFill>
-        <p:spPr bwMode="auto">
-          <a:xfrm>
-            <a:off x="7069368" y="85724"/>
-            <a:ext cx="5122632" cy="1067215"/>
-          </a:xfrm>
-          <a:prstGeom prst="rect">
-            <a:avLst/>
-          </a:prstGeom>
-          <a:noFill/>
-          <a:extLst>
-            <a:ext uri="{909E8E84-426E-40DD-AFC4-6F175D3DCCD1}">
-              <a14:hiddenFill xmlns:a14="http://schemas.microsoft.com/office/drawing/2010/main">
-                <a:solidFill>
-                  <a:srgbClr val="FFFFFF"/>
-                </a:solidFill>
-              </a14:hiddenFill>
-            </a:ext>
-          </a:extLst>
-        </p:spPr>
-      </p:pic>
-    </p:spTree>
-    <p:extLst>
-      <p:ext uri="{BB962C8B-B14F-4D97-AF65-F5344CB8AC3E}">
-        <p14:creationId xmlns:p14="http://schemas.microsoft.com/office/powerpoint/2010/main" val="560748021"/>
-      </p:ext>
-    </p:extLst>
-  </p:cSld>
-  <p:clrMapOvr>
-    <a:masterClrMapping/>
-  </p:clrMapOvr>
-</p:sld>
-</file>
-
-<file path=ppt/slides/slide22.xml><?xml version="1.0" encoding="utf-8"?>
-<p:sld xmlns:a="http://schemas.openxmlformats.org/drawingml/2006/main" xmlns:r="http://schemas.openxmlformats.org/officeDocument/2006/relationships" xmlns:p="http://schemas.openxmlformats.org/presentationml/2006/main">
-  <p:cSld>
-    <p:spTree>
-      <p:nvGrpSpPr>
-        <p:cNvPr id="1" name=""/>
-        <p:cNvGrpSpPr/>
-        <p:nvPr/>
-      </p:nvGrpSpPr>
-      <p:grpSpPr>
-        <a:xfrm>
-          <a:off x="0" y="0"/>
-          <a:ext cx="0" cy="0"/>
-          <a:chOff x="0" y="0"/>
-          <a:chExt cx="0" cy="0"/>
-        </a:xfrm>
-      </p:grpSpPr>
-      <p:sp>
-        <p:nvSpPr>
-          <p:cNvPr id="2" name="Title 1">
-            <a:extLst>
-              <a:ext uri="{FF2B5EF4-FFF2-40B4-BE49-F238E27FC236}">
-                <a16:creationId xmlns:a16="http://schemas.microsoft.com/office/drawing/2014/main" id="{D4757CB8-4033-4D48-BB60-3513259DD7F9}"/>
-              </a:ext>
-            </a:extLst>
-          </p:cNvPr>
-          <p:cNvSpPr>
-            <a:spLocks noGrp="1"/>
-          </p:cNvSpPr>
-          <p:nvPr>
-            <p:ph type="title"/>
-          </p:nvPr>
-        </p:nvSpPr>
-        <p:spPr/>
-        <p:txBody>
-          <a:bodyPr/>
-          <a:lstStyle/>
-          <a:p>
-            <a:r>
-              <a:rPr lang="en-GB" dirty="0"/>
-              <a:t>Where to start when looking at package</a:t>
-            </a:r>
-          </a:p>
-        </p:txBody>
-      </p:sp>
-      <p:sp>
-        <p:nvSpPr>
-          <p:cNvPr id="3" name="Content Placeholder 2">
-            <a:extLst>
-              <a:ext uri="{FF2B5EF4-FFF2-40B4-BE49-F238E27FC236}">
-                <a16:creationId xmlns:a16="http://schemas.microsoft.com/office/drawing/2014/main" id="{EA31D69A-E1F6-4727-859E-5D00805239D5}"/>
-              </a:ext>
-            </a:extLst>
-          </p:cNvPr>
-          <p:cNvSpPr>
-            <a:spLocks noGrp="1"/>
-          </p:cNvSpPr>
-          <p:nvPr>
-            <p:ph idx="1"/>
-          </p:nvPr>
-        </p:nvSpPr>
-        <p:spPr/>
-        <p:txBody>
-          <a:bodyPr/>
-          <a:lstStyle/>
-          <a:p>
-            <a:r>
-              <a:rPr lang="en-GB" dirty="0"/>
-              <a:t>Look at documentation (e.g. </a:t>
-            </a:r>
-            <a:r>
-              <a:rPr lang="en-GB" dirty="0">
-                <a:hlinkClick r:id="rId3"/>
-              </a:rPr>
-              <a:t>https://numpy.org/devdocs/</a:t>
-            </a:r>
-            <a:r>
-              <a:rPr lang="en-GB" dirty="0"/>
-              <a:t>)</a:t>
-            </a:r>
-          </a:p>
-          <a:p>
-            <a:r>
-              <a:rPr lang="en-GB" dirty="0"/>
-              <a:t>Find a </a:t>
-            </a:r>
-            <a:r>
-              <a:rPr lang="en-GB" dirty="0" err="1"/>
-              <a:t>userguide</a:t>
-            </a:r>
-            <a:r>
-              <a:rPr lang="en-GB" dirty="0"/>
-              <a:t>/tutorial</a:t>
-            </a:r>
-          </a:p>
-          <a:p>
-            <a:r>
-              <a:rPr lang="en-GB" dirty="0"/>
-              <a:t>Use help function in </a:t>
-            </a:r>
-            <a:r>
-              <a:rPr lang="en-GB" dirty="0" err="1"/>
-              <a:t>iPython</a:t>
-            </a:r>
-            <a:r>
-              <a:rPr lang="en-GB" dirty="0"/>
-              <a:t>/notebook</a:t>
-            </a:r>
-          </a:p>
-          <a:p>
-            <a:r>
-              <a:rPr lang="en-GB" dirty="0"/>
-              <a:t>Look at examples</a:t>
-            </a:r>
-          </a:p>
-          <a:p>
-            <a:endParaRPr lang="en-GB" dirty="0"/>
-          </a:p>
-          <a:p>
-            <a:endParaRPr lang="en-GB" dirty="0"/>
-          </a:p>
-          <a:p>
-            <a:r>
-              <a:rPr lang="en-GB" dirty="0"/>
-              <a:t>Let’s look at documentation together</a:t>
-            </a:r>
-          </a:p>
-        </p:txBody>
-      </p:sp>
-    </p:spTree>
-    <p:extLst>
-      <p:ext uri="{BB962C8B-B14F-4D97-AF65-F5344CB8AC3E}">
-        <p14:creationId xmlns:p14="http://schemas.microsoft.com/office/powerpoint/2010/main" val="2715386228"/>
-      </p:ext>
-    </p:extLst>
-  </p:cSld>
-  <p:clrMapOvr>
-    <a:masterClrMapping/>
-  </p:clrMapOvr>
 </p:sld>
 </file>
 

--- a/Jan 2020/lectures/2_types_and_modules.pptx
+++ b/Jan 2020/lectures/2_types_and_modules.pptx
@@ -7182,40 +7182,23 @@
             <p:ph type="title"/>
           </p:nvPr>
         </p:nvSpPr>
-        <p:spPr/>
-        <p:txBody>
-          <a:bodyPr/>
+        <p:spPr>
+          <a:xfrm>
+            <a:off x="838200" y="2391952"/>
+            <a:ext cx="10515600" cy="1325563"/>
+          </a:xfrm>
+        </p:spPr>
+        <p:txBody>
+          <a:bodyPr>
+            <a:normAutofit/>
+          </a:bodyPr>
           <a:lstStyle/>
           <a:p>
             <a:r>
-              <a:rPr lang="en-GB" dirty="0"/>
-              <a:t>Let’s get started with NumPy</a:t>
-            </a:r>
-          </a:p>
-        </p:txBody>
-      </p:sp>
-      <p:sp>
-        <p:nvSpPr>
-          <p:cNvPr id="3" name="Content Placeholder 2">
-            <a:extLst>
-              <a:ext uri="{FF2B5EF4-FFF2-40B4-BE49-F238E27FC236}">
-                <a16:creationId xmlns:a16="http://schemas.microsoft.com/office/drawing/2014/main" id="{EBC47AA4-1648-4E91-A777-721E9817862B}"/>
-              </a:ext>
-            </a:extLst>
-          </p:cNvPr>
-          <p:cNvSpPr>
-            <a:spLocks noGrp="1"/>
-          </p:cNvSpPr>
-          <p:nvPr>
-            <p:ph idx="1"/>
-          </p:nvPr>
-        </p:nvSpPr>
-        <p:spPr/>
-        <p:txBody>
-          <a:bodyPr/>
-          <a:lstStyle/>
-          <a:p>
-            <a:endParaRPr lang="en-GB" dirty="0"/>
+              <a:rPr lang="en-GB" sz="6000" b="1" dirty="0"/>
+              <a:t>https://tinyurl.com/sn-python</a:t>
+            </a:r>
+            <a:endParaRPr lang="en-GB" sz="6000" dirty="0"/>
           </a:p>
         </p:txBody>
       </p:sp>
